--- a/python.pptx
+++ b/python.pptx
@@ -214,7 +214,7 @@
           <a:p>
             <a:fld id="{1AE5F205-9F92-4364-BB27-9D702E108BBF}" type="datetimeFigureOut">
               <a:rPr lang="fr-FR" smtClean="0"/>
-              <a:t>24/04/2024</a:t>
+              <a:t>11/01/2025</a:t>
             </a:fld>
             <a:endParaRPr lang="fr-FR"/>
           </a:p>
@@ -380,7 +380,7 @@
           <a:p>
             <a:fld id="{FC332A08-707A-473B-ADC8-5287791CAEB0}" type="datetimeFigureOut">
               <a:rPr lang="fr-FR" smtClean="0"/>
-              <a:t>24/04/2024</a:t>
+              <a:t>11/01/2025</a:t>
             </a:fld>
             <a:endParaRPr lang="fr-FR"/>
           </a:p>
@@ -444,35 +444,35 @@
           <a:p>
             <a:pPr lvl="0"/>
             <a:r>
-              <a:rPr lang="en-US" smtClean="0"/>
+              <a:rPr lang="en-US"/>
               <a:t>Edit Master text styles</a:t>
             </a:r>
           </a:p>
           <a:p>
             <a:pPr lvl="1"/>
             <a:r>
-              <a:rPr lang="en-US" smtClean="0"/>
+              <a:rPr lang="en-US"/>
               <a:t>Second level</a:t>
             </a:r>
           </a:p>
           <a:p>
             <a:pPr lvl="2"/>
             <a:r>
-              <a:rPr lang="en-US" smtClean="0"/>
+              <a:rPr lang="en-US"/>
               <a:t>Third level</a:t>
             </a:r>
           </a:p>
           <a:p>
             <a:pPr lvl="3"/>
             <a:r>
-              <a:rPr lang="en-US" smtClean="0"/>
+              <a:rPr lang="en-US"/>
               <a:t>Fourth level</a:t>
             </a:r>
           </a:p>
           <a:p>
             <a:pPr lvl="4"/>
             <a:r>
-              <a:rPr lang="en-US" smtClean="0"/>
+              <a:rPr lang="en-US"/>
               <a:t>Fifth level</a:t>
             </a:r>
             <a:endParaRPr lang="fr-FR"/>
@@ -691,7 +691,7 @@
           </a:lstStyle>
           <a:p>
             <a:r>
-              <a:rPr lang="en-US" smtClean="0"/>
+              <a:rPr lang="en-US"/>
               <a:t>Click to edit Master title style</a:t>
             </a:r>
             <a:endParaRPr lang="en-US" dirty="0"/>
@@ -756,7 +756,7 @@
           </a:lstStyle>
           <a:p>
             <a:r>
-              <a:rPr lang="en-US" smtClean="0"/>
+              <a:rPr lang="en-US"/>
               <a:t>Click to edit Master subtitle style</a:t>
             </a:r>
             <a:endParaRPr lang="en-US" dirty="0"/>
@@ -780,7 +780,7 @@
           <a:p>
             <a:fld id="{D31E1380-0A9F-4603-AC58-48312EBC6535}" type="datetime1">
               <a:rPr lang="fr-FR" smtClean="0"/>
-              <a:t>24/04/2024</a:t>
+              <a:t>11/01/2025</a:t>
             </a:fld>
             <a:endParaRPr lang="fr-FR"/>
           </a:p>
@@ -874,7 +874,7 @@
           <a:lstStyle/>
           <a:p>
             <a:r>
-              <a:rPr lang="en-US" smtClean="0"/>
+              <a:rPr lang="en-US"/>
               <a:t>Click to edit Master title style</a:t>
             </a:r>
             <a:endParaRPr lang="en-US" dirty="0"/>
@@ -898,35 +898,35 @@
           <a:p>
             <a:pPr lvl="0"/>
             <a:r>
-              <a:rPr lang="en-US" smtClean="0"/>
+              <a:rPr lang="en-US"/>
               <a:t>Edit Master text styles</a:t>
             </a:r>
           </a:p>
           <a:p>
             <a:pPr lvl="1"/>
             <a:r>
-              <a:rPr lang="en-US" smtClean="0"/>
+              <a:rPr lang="en-US"/>
               <a:t>Second level</a:t>
             </a:r>
           </a:p>
           <a:p>
             <a:pPr lvl="2"/>
             <a:r>
-              <a:rPr lang="en-US" smtClean="0"/>
+              <a:rPr lang="en-US"/>
               <a:t>Third level</a:t>
             </a:r>
           </a:p>
           <a:p>
             <a:pPr lvl="3"/>
             <a:r>
-              <a:rPr lang="en-US" smtClean="0"/>
+              <a:rPr lang="en-US"/>
               <a:t>Fourth level</a:t>
             </a:r>
           </a:p>
           <a:p>
             <a:pPr lvl="4"/>
             <a:r>
-              <a:rPr lang="en-US" smtClean="0"/>
+              <a:rPr lang="en-US"/>
               <a:t>Fifth level</a:t>
             </a:r>
             <a:endParaRPr lang="en-US" dirty="0"/>
@@ -950,7 +950,7 @@
           <a:p>
             <a:fld id="{3F4037CB-0E7F-469C-88B1-D123E8603939}" type="datetime1">
               <a:rPr lang="fr-FR" smtClean="0"/>
-              <a:t>24/04/2024</a:t>
+              <a:t>11/01/2025</a:t>
             </a:fld>
             <a:endParaRPr lang="fr-FR"/>
           </a:p>
@@ -1049,7 +1049,7 @@
           <a:lstStyle/>
           <a:p>
             <a:r>
-              <a:rPr lang="en-US" smtClean="0"/>
+              <a:rPr lang="en-US"/>
               <a:t>Click to edit Master title style</a:t>
             </a:r>
             <a:endParaRPr lang="en-US" dirty="0"/>
@@ -1078,35 +1078,35 @@
           <a:p>
             <a:pPr lvl="0"/>
             <a:r>
-              <a:rPr lang="en-US" smtClean="0"/>
+              <a:rPr lang="en-US"/>
               <a:t>Edit Master text styles</a:t>
             </a:r>
           </a:p>
           <a:p>
             <a:pPr lvl="1"/>
             <a:r>
-              <a:rPr lang="en-US" smtClean="0"/>
+              <a:rPr lang="en-US"/>
               <a:t>Second level</a:t>
             </a:r>
           </a:p>
           <a:p>
             <a:pPr lvl="2"/>
             <a:r>
-              <a:rPr lang="en-US" smtClean="0"/>
+              <a:rPr lang="en-US"/>
               <a:t>Third level</a:t>
             </a:r>
           </a:p>
           <a:p>
             <a:pPr lvl="3"/>
             <a:r>
-              <a:rPr lang="en-US" smtClean="0"/>
+              <a:rPr lang="en-US"/>
               <a:t>Fourth level</a:t>
             </a:r>
           </a:p>
           <a:p>
             <a:pPr lvl="4"/>
             <a:r>
-              <a:rPr lang="en-US" smtClean="0"/>
+              <a:rPr lang="en-US"/>
               <a:t>Fifth level</a:t>
             </a:r>
             <a:endParaRPr lang="en-US" dirty="0"/>
@@ -1130,7 +1130,7 @@
           <a:p>
             <a:fld id="{F82A1EB2-D990-4833-B111-146775E1CC31}" type="datetime1">
               <a:rPr lang="fr-FR" smtClean="0"/>
-              <a:t>24/04/2024</a:t>
+              <a:t>11/01/2025</a:t>
             </a:fld>
             <a:endParaRPr lang="fr-FR"/>
           </a:p>
@@ -1224,7 +1224,7 @@
           <a:lstStyle/>
           <a:p>
             <a:r>
-              <a:rPr lang="en-US" smtClean="0"/>
+              <a:rPr lang="en-US"/>
               <a:t>Click to edit Master title style</a:t>
             </a:r>
             <a:endParaRPr lang="en-US" dirty="0"/>
@@ -1248,35 +1248,35 @@
           <a:p>
             <a:pPr lvl="0"/>
             <a:r>
-              <a:rPr lang="en-US" smtClean="0"/>
+              <a:rPr lang="en-US"/>
               <a:t>Edit Master text styles</a:t>
             </a:r>
           </a:p>
           <a:p>
             <a:pPr lvl="1"/>
             <a:r>
-              <a:rPr lang="en-US" smtClean="0"/>
+              <a:rPr lang="en-US"/>
               <a:t>Second level</a:t>
             </a:r>
           </a:p>
           <a:p>
             <a:pPr lvl="2"/>
             <a:r>
-              <a:rPr lang="en-US" smtClean="0"/>
+              <a:rPr lang="en-US"/>
               <a:t>Third level</a:t>
             </a:r>
           </a:p>
           <a:p>
             <a:pPr lvl="3"/>
             <a:r>
-              <a:rPr lang="en-US" smtClean="0"/>
+              <a:rPr lang="en-US"/>
               <a:t>Fourth level</a:t>
             </a:r>
           </a:p>
           <a:p>
             <a:pPr lvl="4"/>
             <a:r>
-              <a:rPr lang="en-US" smtClean="0"/>
+              <a:rPr lang="en-US"/>
               <a:t>Fifth level</a:t>
             </a:r>
             <a:endParaRPr lang="en-US" dirty="0"/>
@@ -1300,7 +1300,7 @@
           <a:p>
             <a:fld id="{85F10974-6D1C-45EF-8B7C-1146761C3113}" type="datetime1">
               <a:rPr lang="fr-FR" smtClean="0"/>
-              <a:t>24/04/2024</a:t>
+              <a:t>11/01/2025</a:t>
             </a:fld>
             <a:endParaRPr lang="fr-FR"/>
           </a:p>
@@ -1403,7 +1403,7 @@
           </a:lstStyle>
           <a:p>
             <a:r>
-              <a:rPr lang="en-US" smtClean="0"/>
+              <a:rPr lang="en-US"/>
               <a:t>Click to edit Master title style</a:t>
             </a:r>
             <a:endParaRPr lang="en-US" dirty="0"/>
@@ -1521,7 +1521,7 @@
           <a:p>
             <a:pPr lvl="0"/>
             <a:r>
-              <a:rPr lang="en-US" smtClean="0"/>
+              <a:rPr lang="en-US"/>
               <a:t>Edit Master text styles</a:t>
             </a:r>
           </a:p>
@@ -1544,7 +1544,7 @@
           <a:p>
             <a:fld id="{DC34148C-78CE-4850-A998-F6971A92BEF4}" type="datetime1">
               <a:rPr lang="fr-FR" smtClean="0"/>
-              <a:t>24/04/2024</a:t>
+              <a:t>11/01/2025</a:t>
             </a:fld>
             <a:endParaRPr lang="fr-FR"/>
           </a:p>
@@ -1638,7 +1638,7 @@
           <a:lstStyle/>
           <a:p>
             <a:r>
-              <a:rPr lang="en-US" smtClean="0"/>
+              <a:rPr lang="en-US"/>
               <a:t>Click to edit Master title style</a:t>
             </a:r>
             <a:endParaRPr lang="en-US" dirty="0"/>
@@ -1667,35 +1667,35 @@
           <a:p>
             <a:pPr lvl="0"/>
             <a:r>
-              <a:rPr lang="en-US" smtClean="0"/>
+              <a:rPr lang="en-US"/>
               <a:t>Edit Master text styles</a:t>
             </a:r>
           </a:p>
           <a:p>
             <a:pPr lvl="1"/>
             <a:r>
-              <a:rPr lang="en-US" smtClean="0"/>
+              <a:rPr lang="en-US"/>
               <a:t>Second level</a:t>
             </a:r>
           </a:p>
           <a:p>
             <a:pPr lvl="2"/>
             <a:r>
-              <a:rPr lang="en-US" smtClean="0"/>
+              <a:rPr lang="en-US"/>
               <a:t>Third level</a:t>
             </a:r>
           </a:p>
           <a:p>
             <a:pPr lvl="3"/>
             <a:r>
-              <a:rPr lang="en-US" smtClean="0"/>
+              <a:rPr lang="en-US"/>
               <a:t>Fourth level</a:t>
             </a:r>
           </a:p>
           <a:p>
             <a:pPr lvl="4"/>
             <a:r>
-              <a:rPr lang="en-US" smtClean="0"/>
+              <a:rPr lang="en-US"/>
               <a:t>Fifth level</a:t>
             </a:r>
             <a:endParaRPr lang="en-US" dirty="0"/>
@@ -1724,35 +1724,35 @@
           <a:p>
             <a:pPr lvl="0"/>
             <a:r>
-              <a:rPr lang="en-US" smtClean="0"/>
+              <a:rPr lang="en-US"/>
               <a:t>Edit Master text styles</a:t>
             </a:r>
           </a:p>
           <a:p>
             <a:pPr lvl="1"/>
             <a:r>
-              <a:rPr lang="en-US" smtClean="0"/>
+              <a:rPr lang="en-US"/>
               <a:t>Second level</a:t>
             </a:r>
           </a:p>
           <a:p>
             <a:pPr lvl="2"/>
             <a:r>
-              <a:rPr lang="en-US" smtClean="0"/>
+              <a:rPr lang="en-US"/>
               <a:t>Third level</a:t>
             </a:r>
           </a:p>
           <a:p>
             <a:pPr lvl="3"/>
             <a:r>
-              <a:rPr lang="en-US" smtClean="0"/>
+              <a:rPr lang="en-US"/>
               <a:t>Fourth level</a:t>
             </a:r>
           </a:p>
           <a:p>
             <a:pPr lvl="4"/>
             <a:r>
-              <a:rPr lang="en-US" smtClean="0"/>
+              <a:rPr lang="en-US"/>
               <a:t>Fifth level</a:t>
             </a:r>
             <a:endParaRPr lang="en-US" dirty="0"/>
@@ -1776,7 +1776,7 @@
           <a:p>
             <a:fld id="{98A58252-3290-48A4-A576-B3A8002083B4}" type="datetime1">
               <a:rPr lang="fr-FR" smtClean="0"/>
-              <a:t>24/04/2024</a:t>
+              <a:t>11/01/2025</a:t>
             </a:fld>
             <a:endParaRPr lang="fr-FR"/>
           </a:p>
@@ -1875,7 +1875,7 @@
           <a:lstStyle/>
           <a:p>
             <a:r>
-              <a:rPr lang="en-US" smtClean="0"/>
+              <a:rPr lang="en-US"/>
               <a:t>Click to edit Master title style</a:t>
             </a:r>
             <a:endParaRPr lang="en-US" dirty="0"/>
@@ -1941,7 +1941,7 @@
           <a:p>
             <a:pPr lvl="0"/>
             <a:r>
-              <a:rPr lang="en-US" smtClean="0"/>
+              <a:rPr lang="en-US"/>
               <a:t>Edit Master text styles</a:t>
             </a:r>
           </a:p>
@@ -1969,35 +1969,35 @@
           <a:p>
             <a:pPr lvl="0"/>
             <a:r>
-              <a:rPr lang="en-US" smtClean="0"/>
+              <a:rPr lang="en-US"/>
               <a:t>Edit Master text styles</a:t>
             </a:r>
           </a:p>
           <a:p>
             <a:pPr lvl="1"/>
             <a:r>
-              <a:rPr lang="en-US" smtClean="0"/>
+              <a:rPr lang="en-US"/>
               <a:t>Second level</a:t>
             </a:r>
           </a:p>
           <a:p>
             <a:pPr lvl="2"/>
             <a:r>
-              <a:rPr lang="en-US" smtClean="0"/>
+              <a:rPr lang="en-US"/>
               <a:t>Third level</a:t>
             </a:r>
           </a:p>
           <a:p>
             <a:pPr lvl="3"/>
             <a:r>
-              <a:rPr lang="en-US" smtClean="0"/>
+              <a:rPr lang="en-US"/>
               <a:t>Fourth level</a:t>
             </a:r>
           </a:p>
           <a:p>
             <a:pPr lvl="4"/>
             <a:r>
-              <a:rPr lang="en-US" smtClean="0"/>
+              <a:rPr lang="en-US"/>
               <a:t>Fifth level</a:t>
             </a:r>
             <a:endParaRPr lang="en-US" dirty="0"/>
@@ -2063,7 +2063,7 @@
           <a:p>
             <a:pPr lvl="0"/>
             <a:r>
-              <a:rPr lang="en-US" smtClean="0"/>
+              <a:rPr lang="en-US"/>
               <a:t>Edit Master text styles</a:t>
             </a:r>
           </a:p>
@@ -2091,35 +2091,35 @@
           <a:p>
             <a:pPr lvl="0"/>
             <a:r>
-              <a:rPr lang="en-US" smtClean="0"/>
+              <a:rPr lang="en-US"/>
               <a:t>Edit Master text styles</a:t>
             </a:r>
           </a:p>
           <a:p>
             <a:pPr lvl="1"/>
             <a:r>
-              <a:rPr lang="en-US" smtClean="0"/>
+              <a:rPr lang="en-US"/>
               <a:t>Second level</a:t>
             </a:r>
           </a:p>
           <a:p>
             <a:pPr lvl="2"/>
             <a:r>
-              <a:rPr lang="en-US" smtClean="0"/>
+              <a:rPr lang="en-US"/>
               <a:t>Third level</a:t>
             </a:r>
           </a:p>
           <a:p>
             <a:pPr lvl="3"/>
             <a:r>
-              <a:rPr lang="en-US" smtClean="0"/>
+              <a:rPr lang="en-US"/>
               <a:t>Fourth level</a:t>
             </a:r>
           </a:p>
           <a:p>
             <a:pPr lvl="4"/>
             <a:r>
-              <a:rPr lang="en-US" smtClean="0"/>
+              <a:rPr lang="en-US"/>
               <a:t>Fifth level</a:t>
             </a:r>
             <a:endParaRPr lang="en-US" dirty="0"/>
@@ -2143,7 +2143,7 @@
           <a:p>
             <a:fld id="{3A63FD95-DAEC-49B9-9CCA-F99951CC24FD}" type="datetime1">
               <a:rPr lang="fr-FR" smtClean="0"/>
-              <a:t>24/04/2024</a:t>
+              <a:t>11/01/2025</a:t>
             </a:fld>
             <a:endParaRPr lang="fr-FR"/>
           </a:p>
@@ -2237,7 +2237,7 @@
           <a:lstStyle/>
           <a:p>
             <a:r>
-              <a:rPr lang="en-US" smtClean="0"/>
+              <a:rPr lang="en-US"/>
               <a:t>Click to edit Master title style</a:t>
             </a:r>
             <a:endParaRPr lang="en-US" dirty="0"/>
@@ -2261,7 +2261,7 @@
           <a:p>
             <a:fld id="{8A30231E-2C9B-4553-AE68-92D0775C6EAD}" type="datetime1">
               <a:rPr lang="fr-FR" smtClean="0"/>
-              <a:t>24/04/2024</a:t>
+              <a:t>11/01/2025</a:t>
             </a:fld>
             <a:endParaRPr lang="fr-FR"/>
           </a:p>
@@ -2356,7 +2356,7 @@
           <a:p>
             <a:fld id="{A6DEB4C5-B870-4D86-A828-1FA41441279D}" type="datetime1">
               <a:rPr lang="fr-FR" smtClean="0"/>
-              <a:t>24/04/2024</a:t>
+              <a:t>11/01/2025</a:t>
             </a:fld>
             <a:endParaRPr lang="fr-FR"/>
           </a:p>
@@ -2459,7 +2459,7 @@
           </a:lstStyle>
           <a:p>
             <a:r>
-              <a:rPr lang="en-US" smtClean="0"/>
+              <a:rPr lang="en-US"/>
               <a:t>Click to edit Master title style</a:t>
             </a:r>
             <a:endParaRPr lang="en-US" dirty="0"/>
@@ -2516,35 +2516,35 @@
           <a:p>
             <a:pPr lvl="0"/>
             <a:r>
-              <a:rPr lang="en-US" smtClean="0"/>
+              <a:rPr lang="en-US"/>
               <a:t>Edit Master text styles</a:t>
             </a:r>
           </a:p>
           <a:p>
             <a:pPr lvl="1"/>
             <a:r>
-              <a:rPr lang="en-US" smtClean="0"/>
+              <a:rPr lang="en-US"/>
               <a:t>Second level</a:t>
             </a:r>
           </a:p>
           <a:p>
             <a:pPr lvl="2"/>
             <a:r>
-              <a:rPr lang="en-US" smtClean="0"/>
+              <a:rPr lang="en-US"/>
               <a:t>Third level</a:t>
             </a:r>
           </a:p>
           <a:p>
             <a:pPr lvl="3"/>
             <a:r>
-              <a:rPr lang="en-US" smtClean="0"/>
+              <a:rPr lang="en-US"/>
               <a:t>Fourth level</a:t>
             </a:r>
           </a:p>
           <a:p>
             <a:pPr lvl="4"/>
             <a:r>
-              <a:rPr lang="en-US" smtClean="0"/>
+              <a:rPr lang="en-US"/>
               <a:t>Fifth level</a:t>
             </a:r>
             <a:endParaRPr lang="en-US" dirty="0"/>
@@ -2610,7 +2610,7 @@
           <a:p>
             <a:pPr lvl="0"/>
             <a:r>
-              <a:rPr lang="en-US" smtClean="0"/>
+              <a:rPr lang="en-US"/>
               <a:t>Edit Master text styles</a:t>
             </a:r>
           </a:p>
@@ -2633,7 +2633,7 @@
           <a:p>
             <a:fld id="{63297613-6D7C-4E8C-9830-EE061053635D}" type="datetime1">
               <a:rPr lang="fr-FR" smtClean="0"/>
-              <a:t>24/04/2024</a:t>
+              <a:t>11/01/2025</a:t>
             </a:fld>
             <a:endParaRPr lang="fr-FR"/>
           </a:p>
@@ -2736,7 +2736,7 @@
           </a:lstStyle>
           <a:p>
             <a:r>
-              <a:rPr lang="en-US" smtClean="0"/>
+              <a:rPr lang="en-US"/>
               <a:t>Click to edit Master title style</a:t>
             </a:r>
             <a:endParaRPr lang="en-US" dirty="0"/>
@@ -2801,7 +2801,7 @@
           </a:lstStyle>
           <a:p>
             <a:r>
-              <a:rPr lang="en-US" smtClean="0"/>
+              <a:rPr lang="en-US"/>
               <a:t>Click icon to add picture</a:t>
             </a:r>
             <a:endParaRPr lang="en-US" dirty="0"/>
@@ -2867,7 +2867,7 @@
           <a:p>
             <a:pPr lvl="0"/>
             <a:r>
-              <a:rPr lang="en-US" smtClean="0"/>
+              <a:rPr lang="en-US"/>
               <a:t>Edit Master text styles</a:t>
             </a:r>
           </a:p>
@@ -2890,7 +2890,7 @@
           <a:p>
             <a:fld id="{F30F028D-09CB-4438-BB93-EB757F0DDC34}" type="datetime1">
               <a:rPr lang="fr-FR" smtClean="0"/>
-              <a:t>24/04/2024</a:t>
+              <a:t>11/01/2025</a:t>
             </a:fld>
             <a:endParaRPr lang="fr-FR"/>
           </a:p>
@@ -2999,7 +2999,7 @@
           <a:lstStyle/>
           <a:p>
             <a:r>
-              <a:rPr lang="en-US" smtClean="0"/>
+              <a:rPr lang="en-US"/>
               <a:t>Click to edit Master title style</a:t>
             </a:r>
             <a:endParaRPr lang="en-US" dirty="0"/>
@@ -3033,35 +3033,35 @@
           <a:p>
             <a:pPr lvl="0"/>
             <a:r>
-              <a:rPr lang="en-US" smtClean="0"/>
+              <a:rPr lang="en-US"/>
               <a:t>Edit Master text styles</a:t>
             </a:r>
           </a:p>
           <a:p>
             <a:pPr lvl="1"/>
             <a:r>
-              <a:rPr lang="en-US" smtClean="0"/>
+              <a:rPr lang="en-US"/>
               <a:t>Second level</a:t>
             </a:r>
           </a:p>
           <a:p>
             <a:pPr lvl="2"/>
             <a:r>
-              <a:rPr lang="en-US" smtClean="0"/>
+              <a:rPr lang="en-US"/>
               <a:t>Third level</a:t>
             </a:r>
           </a:p>
           <a:p>
             <a:pPr lvl="3"/>
             <a:r>
-              <a:rPr lang="en-US" smtClean="0"/>
+              <a:rPr lang="en-US"/>
               <a:t>Fourth level</a:t>
             </a:r>
           </a:p>
           <a:p>
             <a:pPr lvl="4"/>
             <a:r>
-              <a:rPr lang="en-US" smtClean="0"/>
+              <a:rPr lang="en-US"/>
               <a:t>Fifth level</a:t>
             </a:r>
             <a:endParaRPr lang="en-US" dirty="0"/>
@@ -3103,7 +3103,7 @@
           <a:p>
             <a:fld id="{6D0102F8-A850-419B-B4A6-EBE3511B74F6}" type="datetime1">
               <a:rPr lang="fr-FR" smtClean="0"/>
-              <a:t>24/04/2024</a:t>
+              <a:t>11/01/2025</a:t>
             </a:fld>
             <a:endParaRPr lang="fr-FR"/>
           </a:p>
@@ -3547,12 +3547,8 @@
           <a:p>
             <a:pPr algn="ctr"/>
             <a:r>
-              <a:rPr lang="fr-FR" sz="2286" dirty="0" smtClean="0"/>
-              <a:t>Organisation des séances </a:t>
-            </a:r>
-            <a:r>
               <a:rPr lang="fr-FR" sz="2286" dirty="0"/>
-              <a:t>: Les escaliers </a:t>
+              <a:t>Organisation des séances : Les escaliers </a:t>
             </a:r>
           </a:p>
         </p:txBody>
@@ -3612,11 +3608,11 @@
                     <a:p>
                       <a:pPr algn="ctr"/>
                       <a:r>
-                        <a:rPr lang="fr-FR" sz="1400" dirty="0" smtClean="0"/>
+                        <a:rPr lang="fr-FR" sz="1400" dirty="0"/>
                         <a:t>Séances</a:t>
                       </a:r>
                       <a:r>
-                        <a:rPr lang="fr-FR" sz="1400" baseline="0" dirty="0" smtClean="0"/>
+                        <a:rPr lang="fr-FR" sz="1400" baseline="0" dirty="0"/>
                         <a:t> :</a:t>
                       </a:r>
                       <a:endParaRPr lang="fr-FR" sz="1400" dirty="0"/>
@@ -3631,10 +3627,9 @@
                     <a:p>
                       <a:pPr algn="ctr"/>
                       <a:r>
-                        <a:rPr lang="fr-FR" sz="1400" dirty="0" smtClean="0"/>
+                        <a:rPr lang="fr-FR" sz="1400" dirty="0"/>
                         <a:t>Sujets traités</a:t>
                       </a:r>
-                      <a:endParaRPr lang="fr-FR" sz="1400" dirty="0"/>
                     </a:p>
                   </a:txBody>
                   <a:tcPr anchor="ctr"/>
@@ -3646,10 +3641,9 @@
                     <a:p>
                       <a:pPr algn="ctr"/>
                       <a:r>
-                        <a:rPr lang="fr-FR" sz="1400" dirty="0" smtClean="0"/>
+                        <a:rPr lang="fr-FR" sz="1400" dirty="0"/>
                         <a:t>Compétences et savoirs associés</a:t>
                       </a:r>
-                      <a:endParaRPr lang="fr-FR" sz="1400" dirty="0"/>
                     </a:p>
                   </a:txBody>
                   <a:tcPr anchor="ctr"/>
@@ -3668,10 +3662,9 @@
                     <a:p>
                       <a:pPr algn="ctr"/>
                       <a:r>
-                        <a:rPr lang="fr-FR" sz="1400" dirty="0" smtClean="0"/>
+                        <a:rPr lang="fr-FR" sz="1400" dirty="0"/>
                         <a:t>1</a:t>
                       </a:r>
-                      <a:endParaRPr lang="fr-FR" sz="1400" dirty="0"/>
                     </a:p>
                   </a:txBody>
                   <a:tcPr anchor="ctr"/>
@@ -3683,28 +3676,27 @@
                     <a:p>
                       <a:pPr algn="l"/>
                       <a:r>
-                        <a:rPr lang="fr-FR" sz="1400" dirty="0" smtClean="0"/>
+                        <a:rPr lang="fr-FR" sz="1400" dirty="0"/>
                         <a:t>Mise en situation</a:t>
                       </a:r>
                     </a:p>
                     <a:p>
                       <a:pPr algn="l"/>
                       <a:r>
-                        <a:rPr lang="fr-FR" sz="1400" dirty="0" smtClean="0"/>
+                        <a:rPr lang="fr-FR" sz="1400" dirty="0"/>
                         <a:t>Découverte</a:t>
                       </a:r>
                       <a:r>
-                        <a:rPr lang="fr-FR" sz="1400" baseline="0" dirty="0" smtClean="0"/>
+                        <a:rPr lang="fr-FR" sz="1400" baseline="0" dirty="0"/>
                         <a:t> du vocabulaire</a:t>
                       </a:r>
                     </a:p>
                     <a:p>
                       <a:pPr algn="l"/>
                       <a:r>
-                        <a:rPr lang="fr-FR" sz="1400" dirty="0" smtClean="0"/>
+                        <a:rPr lang="fr-FR" sz="1400" dirty="0"/>
                         <a:t>Analyse théorique des calculs d’un escalier droit</a:t>
                       </a:r>
-                      <a:endParaRPr lang="fr-FR" sz="1400" dirty="0"/>
                     </a:p>
                   </a:txBody>
                   <a:tcPr anchor="ctr"/>
@@ -3719,7 +3711,7 @@
                         <a:buChar char="•"/>
                       </a:pPr>
                       <a:r>
-                        <a:rPr lang="fr-FR" sz="1400" baseline="0" dirty="0" smtClean="0"/>
+                        <a:rPr lang="fr-FR" sz="1400" baseline="0" dirty="0"/>
                         <a:t>La communication technique</a:t>
                       </a:r>
                       <a:endParaRPr lang="fr-FR" sz="1400" dirty="0"/>
@@ -3743,10 +3735,10 @@
                         <a:defRPr/>
                       </a:pPr>
                       <a:r>
-                        <a:rPr lang="fr-FR" sz="1400" baseline="0" dirty="0" smtClean="0"/>
+                        <a:rPr lang="fr-FR" sz="1400" baseline="0" dirty="0"/>
                         <a:t>Etude des ouvrages</a:t>
                       </a:r>
-                      <a:endParaRPr lang="fr-FR" sz="1400" dirty="0" smtClean="0"/>
+                      <a:endParaRPr lang="fr-FR" sz="1400" dirty="0"/>
                     </a:p>
                     <a:p>
                       <a:pPr marL="285750" indent="-285750" algn="l">
@@ -3754,7 +3746,7 @@
                         <a:buChar char="•"/>
                       </a:pPr>
                       <a:r>
-                        <a:rPr lang="fr-FR" sz="1400" baseline="0" dirty="0" smtClean="0"/>
+                        <a:rPr lang="fr-FR" sz="1400" baseline="0" dirty="0"/>
                         <a:t>Représenter et réaliser sous forme papier ou informatisée et autres</a:t>
                       </a:r>
                     </a:p>
@@ -3764,7 +3756,7 @@
                         <a:buChar char="•"/>
                       </a:pPr>
                       <a:r>
-                        <a:rPr lang="fr-FR" sz="1400" baseline="0" dirty="0" smtClean="0"/>
+                        <a:rPr lang="fr-FR" sz="1400" baseline="0" dirty="0"/>
                         <a:t>supports</a:t>
                       </a:r>
                     </a:p>
@@ -3787,10 +3779,10 @@
                         <a:defRPr/>
                       </a:pPr>
                       <a:r>
-                        <a:rPr lang="fr-FR" sz="1400" baseline="0" dirty="0" smtClean="0"/>
+                        <a:rPr lang="fr-FR" sz="1400" baseline="0" dirty="0"/>
                         <a:t>Etude des ouvrages</a:t>
                       </a:r>
-                      <a:endParaRPr lang="fr-FR" sz="1400" dirty="0" smtClean="0"/>
+                      <a:endParaRPr lang="fr-FR" sz="1400" dirty="0"/>
                     </a:p>
                     <a:p>
                       <a:pPr marL="285750" indent="-285750" algn="l">
@@ -3798,7 +3790,7 @@
                         <a:buChar char="•"/>
                       </a:pPr>
                       <a:r>
-                        <a:rPr lang="fr-FR" sz="1400" baseline="0" dirty="0" smtClean="0"/>
+                        <a:rPr lang="fr-FR" sz="1400" baseline="0" dirty="0"/>
                         <a:t>Représenter et réaliser sous forme papier ou informatisée et autres</a:t>
                       </a:r>
                     </a:p>
@@ -3808,7 +3800,7 @@
                         <a:buChar char="•"/>
                       </a:pPr>
                       <a:r>
-                        <a:rPr lang="fr-FR" sz="1400" baseline="0" dirty="0" smtClean="0"/>
+                        <a:rPr lang="fr-FR" sz="1400" baseline="0" dirty="0"/>
                         <a:t>Supports</a:t>
                       </a:r>
                     </a:p>
@@ -3818,7 +3810,7 @@
                         <a:buChar char="•"/>
                       </a:pPr>
                       <a:r>
-                        <a:rPr lang="fr-FR" sz="1400" dirty="0" smtClean="0"/>
+                        <a:rPr lang="fr-FR" sz="1400" dirty="0"/>
                         <a:t>Justifier les choix et/ou les</a:t>
                       </a:r>
                     </a:p>
@@ -3828,7 +3820,7 @@
                         <a:buChar char="•"/>
                       </a:pPr>
                       <a:r>
-                        <a:rPr lang="fr-FR" sz="1400" dirty="0" smtClean="0"/>
+                        <a:rPr lang="fr-FR" sz="1400" dirty="0"/>
                         <a:t>solutions techniques</a:t>
                       </a:r>
                     </a:p>
@@ -3838,7 +3830,7 @@
                         <a:buChar char="•"/>
                       </a:pPr>
                       <a:r>
-                        <a:rPr lang="fr-FR" sz="1400" dirty="0" smtClean="0"/>
+                        <a:rPr lang="fr-FR" sz="1400" dirty="0"/>
                         <a:t>Etre Capable de : Compétence Quand</a:t>
                       </a:r>
                     </a:p>
@@ -3848,23 +3840,23 @@
                         <a:buChar char="•"/>
                       </a:pPr>
                       <a:r>
-                        <a:rPr lang="fr-FR" sz="1400" dirty="0" smtClean="0"/>
+                        <a:rPr lang="fr-FR" sz="1400" dirty="0"/>
                         <a:t>Comparer les</a:t>
                       </a:r>
                       <a:r>
-                        <a:rPr lang="fr-FR" sz="1400" baseline="0" dirty="0" smtClean="0"/>
+                        <a:rPr lang="fr-FR" sz="1400" baseline="0" dirty="0"/>
                         <a:t> </a:t>
                       </a:r>
                       <a:r>
-                        <a:rPr lang="fr-FR" sz="1400" dirty="0" smtClean="0"/>
+                        <a:rPr lang="fr-FR" sz="1400" dirty="0"/>
                         <a:t>performances</a:t>
                       </a:r>
                       <a:r>
-                        <a:rPr lang="fr-FR" sz="1400" baseline="0" dirty="0" smtClean="0"/>
+                        <a:rPr lang="fr-FR" sz="1400" baseline="0" dirty="0"/>
                         <a:t> </a:t>
                       </a:r>
                       <a:r>
-                        <a:rPr lang="fr-FR" sz="1400" dirty="0" smtClean="0"/>
+                        <a:rPr lang="fr-FR" sz="1400" dirty="0"/>
                         <a:t>techniques sur le plan :</a:t>
                       </a:r>
                     </a:p>
@@ -3874,7 +3866,7 @@
                         <a:buChar char="ü"/>
                       </a:pPr>
                       <a:r>
-                        <a:rPr lang="fr-FR" sz="1400" dirty="0" smtClean="0"/>
+                        <a:rPr lang="fr-FR" sz="1400" dirty="0"/>
                         <a:t>esthétique</a:t>
                       </a:r>
                     </a:p>
@@ -3884,7 +3876,7 @@
                         <a:buChar char="ü"/>
                       </a:pPr>
                       <a:r>
-                        <a:rPr lang="fr-FR" sz="1400" dirty="0" smtClean="0"/>
+                        <a:rPr lang="fr-FR" sz="1400" dirty="0"/>
                         <a:t>technologique</a:t>
                       </a:r>
                     </a:p>
@@ -3894,7 +3886,7 @@
                         <a:buChar char="ü"/>
                       </a:pPr>
                       <a:r>
-                        <a:rPr lang="fr-FR" sz="1400" dirty="0" smtClean="0"/>
+                        <a:rPr lang="fr-FR" sz="1400" dirty="0"/>
                         <a:t>ergonomique</a:t>
                       </a:r>
                     </a:p>
@@ -3904,7 +3896,7 @@
                         <a:buChar char="ü"/>
                       </a:pPr>
                       <a:r>
-                        <a:rPr lang="fr-FR" sz="1400" dirty="0" smtClean="0"/>
+                        <a:rPr lang="fr-FR" sz="1400" dirty="0"/>
                         <a:t>économique</a:t>
                       </a:r>
                     </a:p>
@@ -3929,10 +3921,9 @@
                     <a:p>
                       <a:pPr algn="ctr"/>
                       <a:r>
-                        <a:rPr lang="fr-FR" sz="1400" dirty="0" smtClean="0"/>
+                        <a:rPr lang="fr-FR" sz="1400" dirty="0"/>
                         <a:t>2</a:t>
                       </a:r>
-                      <a:endParaRPr lang="fr-FR" sz="1400" dirty="0"/>
                     </a:p>
                   </a:txBody>
                   <a:tcPr anchor="ctr"/>
@@ -3944,25 +3935,25 @@
                     <a:p>
                       <a:pPr algn="l"/>
                       <a:r>
-                        <a:rPr lang="fr-FR" sz="1400" dirty="0" smtClean="0"/>
+                        <a:rPr lang="fr-FR" sz="1400" dirty="0"/>
                         <a:t>Rappel sur les calculs</a:t>
                       </a:r>
                       <a:r>
-                        <a:rPr lang="fr-FR" sz="1400" baseline="0" dirty="0" smtClean="0"/>
+                        <a:rPr lang="fr-FR" sz="1400" baseline="0" dirty="0"/>
                         <a:t> théoriques</a:t>
                       </a:r>
                     </a:p>
                     <a:p>
                       <a:pPr algn="l"/>
                       <a:r>
-                        <a:rPr lang="fr-FR" sz="1400" baseline="0" dirty="0" smtClean="0"/>
+                        <a:rPr lang="fr-FR" sz="1400" baseline="0" dirty="0"/>
                         <a:t>Utilisation du vocabulaire</a:t>
                       </a:r>
                     </a:p>
                     <a:p>
                       <a:pPr algn="l"/>
                       <a:r>
-                        <a:rPr lang="fr-FR" sz="1400" baseline="0" dirty="0" smtClean="0"/>
+                        <a:rPr lang="fr-FR" sz="1400" baseline="0" dirty="0"/>
                         <a:t>Calculs et traçage d’un escalier droit</a:t>
                       </a:r>
                     </a:p>
@@ -3991,7 +3982,7 @@
                         <a:tabLst/>
                         <a:defRPr/>
                       </a:pPr>
-                      <a:endParaRPr lang="fr-FR" sz="1400" baseline="0" dirty="0" smtClean="0"/>
+                      <a:endParaRPr lang="fr-FR" sz="1400" baseline="0" dirty="0"/>
                     </a:p>
                   </a:txBody>
                   <a:tcPr anchor="ctr"/>
@@ -4010,10 +4001,9 @@
                     <a:p>
                       <a:pPr algn="ctr"/>
                       <a:r>
-                        <a:rPr lang="fr-FR" sz="1400" dirty="0" smtClean="0"/>
+                        <a:rPr lang="fr-FR" sz="1400" dirty="0"/>
                         <a:t>3</a:t>
                       </a:r>
-                      <a:endParaRPr lang="fr-FR" sz="1400" dirty="0"/>
                     </a:p>
                   </a:txBody>
                   <a:tcPr anchor="ctr"/>
@@ -4025,11 +4015,11 @@
                     <a:p>
                       <a:pPr algn="l"/>
                       <a:r>
-                        <a:rPr lang="fr-FR" sz="1400" dirty="0" smtClean="0"/>
+                        <a:rPr lang="fr-FR" sz="1400" dirty="0"/>
                         <a:t>Evaluation sur</a:t>
                       </a:r>
                       <a:r>
-                        <a:rPr lang="fr-FR" sz="1400" baseline="0" dirty="0" smtClean="0"/>
+                        <a:rPr lang="fr-FR" sz="1400" baseline="0" dirty="0"/>
                         <a:t> l’escalier droit</a:t>
                       </a:r>
                       <a:endParaRPr lang="fr-FR" sz="1400" dirty="0"/>
@@ -4062,10 +4052,9 @@
                     <a:p>
                       <a:pPr algn="ctr"/>
                       <a:r>
-                        <a:rPr lang="fr-FR" sz="1400" dirty="0" smtClean="0"/>
+                        <a:rPr lang="fr-FR" sz="1400" dirty="0"/>
                         <a:t>4</a:t>
                       </a:r>
-                      <a:endParaRPr lang="fr-FR" sz="1400" dirty="0"/>
                     </a:p>
                   </a:txBody>
                   <a:tcPr anchor="ctr"/>
@@ -4093,7 +4082,7 @@
                         <a:defRPr/>
                       </a:pPr>
                       <a:r>
-                        <a:rPr lang="fr-FR" sz="1400" dirty="0" smtClean="0"/>
+                        <a:rPr lang="fr-FR" sz="1400" dirty="0"/>
                         <a:t>Analyse théorique des calculs d’un escalier quart tournant</a:t>
                       </a:r>
                     </a:p>
@@ -4116,7 +4105,7 @@
                         <a:defRPr/>
                       </a:pPr>
                       <a:r>
-                        <a:rPr lang="fr-FR" sz="1400" baseline="0" dirty="0" smtClean="0"/>
+                        <a:rPr lang="fr-FR" sz="1400" baseline="0" dirty="0"/>
                         <a:t>Utilisation du vocabulaire</a:t>
                       </a:r>
                     </a:p>
@@ -4139,7 +4128,7 @@
                         <a:defRPr/>
                       </a:pPr>
                       <a:r>
-                        <a:rPr lang="fr-FR" sz="1400" baseline="0" dirty="0" smtClean="0"/>
+                        <a:rPr lang="fr-FR" sz="1400" baseline="0" dirty="0"/>
                         <a:t>Calculs et traçage d’un escalier quart tournant</a:t>
                       </a:r>
                       <a:endParaRPr lang="fr-FR" sz="1400" dirty="0"/>
@@ -4188,10 +4177,9 @@
                     <a:p>
                       <a:pPr algn="ctr"/>
                       <a:r>
-                        <a:rPr lang="fr-FR" sz="1400" dirty="0" smtClean="0"/>
+                        <a:rPr lang="fr-FR" sz="1400" dirty="0"/>
                         <a:t>5</a:t>
                       </a:r>
-                      <a:endParaRPr lang="fr-FR" sz="1400" dirty="0"/>
                     </a:p>
                   </a:txBody>
                   <a:tcPr anchor="ctr"/>
@@ -4203,10 +4191,9 @@
                     <a:p>
                       <a:pPr algn="l"/>
                       <a:r>
-                        <a:rPr lang="fr-FR" sz="1400" dirty="0" smtClean="0"/>
+                        <a:rPr lang="fr-FR" sz="1400" dirty="0"/>
                         <a:t>Evaluation d’un escalier quart tournant</a:t>
                       </a:r>
-                      <a:endParaRPr lang="fr-FR" sz="1400" dirty="0"/>
                     </a:p>
                   </a:txBody>
                   <a:tcPr anchor="ctr"/>
@@ -4236,10 +4223,9 @@
                     <a:p>
                       <a:pPr algn="ctr"/>
                       <a:r>
-                        <a:rPr lang="fr-FR" sz="1400" dirty="0" smtClean="0"/>
+                        <a:rPr lang="fr-FR" sz="1400" dirty="0"/>
                         <a:t>6</a:t>
                       </a:r>
-                      <a:endParaRPr lang="fr-FR" sz="1400" dirty="0"/>
                     </a:p>
                   </a:txBody>
                   <a:tcPr anchor="ctr"/>
@@ -4251,25 +4237,25 @@
                     <a:p>
                       <a:pPr algn="l"/>
                       <a:r>
-                        <a:rPr lang="fr-FR" sz="1400" dirty="0" smtClean="0"/>
+                        <a:rPr lang="fr-FR" sz="1400" dirty="0"/>
                         <a:t>Rappel sur l’ensemble de la séquence</a:t>
                       </a:r>
                     </a:p>
                     <a:p>
                       <a:pPr algn="l"/>
                       <a:r>
-                        <a:rPr lang="fr-FR" sz="1400" dirty="0" smtClean="0"/>
+                        <a:rPr lang="fr-FR" sz="1400" dirty="0"/>
                         <a:t>Découverte des différents balancements</a:t>
                       </a:r>
                     </a:p>
                     <a:p>
                       <a:pPr algn="l"/>
                       <a:r>
-                        <a:rPr lang="fr-FR" sz="1400" dirty="0" smtClean="0"/>
+                        <a:rPr lang="fr-FR" sz="1400" dirty="0"/>
                         <a:t>Echange sur</a:t>
                       </a:r>
                       <a:r>
-                        <a:rPr lang="fr-FR" sz="1400" baseline="0" dirty="0" smtClean="0"/>
+                        <a:rPr lang="fr-FR" sz="1400" baseline="0" dirty="0"/>
                         <a:t> les attendues de l’évaluation</a:t>
                       </a:r>
                       <a:endParaRPr lang="fr-FR" sz="1400" dirty="0"/>
@@ -4302,10 +4288,9 @@
                     <a:p>
                       <a:pPr algn="ctr"/>
                       <a:r>
-                        <a:rPr lang="fr-FR" sz="1400" dirty="0" smtClean="0"/>
+                        <a:rPr lang="fr-FR" sz="1400" dirty="0"/>
                         <a:t>7</a:t>
                       </a:r>
-                      <a:endParaRPr lang="fr-FR" sz="1400" dirty="0"/>
                     </a:p>
                   </a:txBody>
                   <a:tcPr anchor="ctr"/>
@@ -4317,10 +4302,9 @@
                     <a:p>
                       <a:pPr algn="l"/>
                       <a:r>
-                        <a:rPr lang="fr-FR" sz="1400" dirty="0" smtClean="0"/>
+                        <a:rPr lang="fr-FR" sz="1400" dirty="0"/>
                         <a:t>Evaluation finale</a:t>
                       </a:r>
-                      <a:endParaRPr lang="fr-FR" sz="1400" dirty="0"/>
                     </a:p>
                   </a:txBody>
                   <a:tcPr anchor="ctr"/>
@@ -4356,13 +4340,6 @@
   <p:clrMapOvr>
     <a:masterClrMapping/>
   </p:clrMapOvr>
-  <p:timing>
-    <p:tnLst>
-      <p:par>
-        <p:cTn id="1" dur="indefinite" restart="never" nodeType="tmRoot"/>
-      </p:par>
-    </p:tnLst>
-  </p:timing>
 </p:sld>
 </file>
 
@@ -4431,17 +4408,16 @@
                     <a:p>
                       <a:pPr algn="ctr"/>
                       <a:r>
-                        <a:rPr lang="fr-FR" sz="3000" dirty="0" smtClean="0"/>
+                        <a:rPr lang="fr-FR" sz="3000" dirty="0"/>
                         <a:t>Python</a:t>
                       </a:r>
                     </a:p>
                     <a:p>
                       <a:pPr algn="ctr"/>
                       <a:r>
-                        <a:rPr lang="fr-FR" sz="3000" dirty="0" smtClean="0"/>
+                        <a:rPr lang="fr-FR" sz="3000" dirty="0"/>
                         <a:t>En menuiserie</a:t>
                       </a:r>
-                      <a:endParaRPr lang="fr-FR" sz="3000" dirty="0"/>
                     </a:p>
                   </a:txBody>
                   <a:tcPr marL="87081" marR="87081" marT="43541" marB="43541" anchor="ctr"/>
@@ -4451,43 +4427,43 @@
                     <a:bodyPr/>
                     <a:lstStyle/>
                     <a:p>
-                      <a:endParaRPr lang="fr-FR" sz="1300" dirty="0" smtClean="0"/>
-                    </a:p>
-                    <a:p>
-                      <a:endParaRPr lang="fr-FR" sz="1300" dirty="0" smtClean="0"/>
-                    </a:p>
-                    <a:p>
-                      <a:endParaRPr lang="fr-FR" sz="1300" dirty="0" smtClean="0"/>
-                    </a:p>
-                    <a:p>
-                      <a:endParaRPr lang="fr-FR" sz="1300" dirty="0" smtClean="0"/>
-                    </a:p>
-                    <a:p>
-                      <a:endParaRPr lang="fr-FR" sz="1300" dirty="0" smtClean="0"/>
-                    </a:p>
-                    <a:p>
-                      <a:endParaRPr lang="fr-FR" sz="1300" dirty="0" smtClean="0"/>
-                    </a:p>
-                    <a:p>
-                      <a:endParaRPr lang="fr-FR" sz="1300" dirty="0" smtClean="0"/>
-                    </a:p>
-                    <a:p>
-                      <a:endParaRPr lang="fr-FR" sz="1300" dirty="0" smtClean="0"/>
-                    </a:p>
-                    <a:p>
-                      <a:endParaRPr lang="fr-FR" sz="1300" dirty="0" smtClean="0"/>
-                    </a:p>
-                    <a:p>
-                      <a:endParaRPr lang="fr-FR" sz="1300" dirty="0" smtClean="0"/>
-                    </a:p>
-                    <a:p>
-                      <a:endParaRPr lang="fr-FR" sz="1300" dirty="0" smtClean="0"/>
-                    </a:p>
-                    <a:p>
-                      <a:endParaRPr lang="fr-FR" sz="1300" dirty="0" smtClean="0"/>
-                    </a:p>
-                    <a:p>
-                      <a:endParaRPr lang="fr-FR" sz="1300" dirty="0" smtClean="0"/>
+                      <a:endParaRPr lang="fr-FR" sz="1300" dirty="0"/>
+                    </a:p>
+                    <a:p>
+                      <a:endParaRPr lang="fr-FR" sz="1300" dirty="0"/>
+                    </a:p>
+                    <a:p>
+                      <a:endParaRPr lang="fr-FR" sz="1300" dirty="0"/>
+                    </a:p>
+                    <a:p>
+                      <a:endParaRPr lang="fr-FR" sz="1300" dirty="0"/>
+                    </a:p>
+                    <a:p>
+                      <a:endParaRPr lang="fr-FR" sz="1300" dirty="0"/>
+                    </a:p>
+                    <a:p>
+                      <a:endParaRPr lang="fr-FR" sz="1300" dirty="0"/>
+                    </a:p>
+                    <a:p>
+                      <a:endParaRPr lang="fr-FR" sz="1300" dirty="0"/>
+                    </a:p>
+                    <a:p>
+                      <a:endParaRPr lang="fr-FR" sz="1300" dirty="0"/>
+                    </a:p>
+                    <a:p>
+                      <a:endParaRPr lang="fr-FR" sz="1300" dirty="0"/>
+                    </a:p>
+                    <a:p>
+                      <a:endParaRPr lang="fr-FR" sz="1300" dirty="0"/>
+                    </a:p>
+                    <a:p>
+                      <a:endParaRPr lang="fr-FR" sz="1300" dirty="0"/>
+                    </a:p>
+                    <a:p>
+                      <a:endParaRPr lang="fr-FR" sz="1300" dirty="0"/>
+                    </a:p>
+                    <a:p>
+                      <a:endParaRPr lang="fr-FR" sz="1300" dirty="0"/>
                     </a:p>
                     <a:p>
                       <a:endParaRPr lang="fr-FR" sz="1300" dirty="0"/>
@@ -4545,15 +4521,15 @@
                     <a:lstStyle/>
                     <a:p>
                       <a:r>
-                        <a:rPr lang="fr-FR" sz="1300" b="1" dirty="0" smtClean="0"/>
+                        <a:rPr lang="fr-FR" sz="1300" b="1" dirty="0"/>
                         <a:t>Capacités générales utilisées</a:t>
                       </a:r>
                       <a:r>
-                        <a:rPr lang="fr-FR" sz="1300" b="1" baseline="0" dirty="0" smtClean="0"/>
+                        <a:rPr lang="fr-FR" sz="1300" b="1" baseline="0" dirty="0"/>
                         <a:t> pour la séquence : </a:t>
                       </a:r>
                       <a:r>
-                        <a:rPr lang="fr-FR" sz="1300" baseline="0" dirty="0" smtClean="0"/>
+                        <a:rPr lang="fr-FR" sz="1300" baseline="0" dirty="0"/>
                         <a:t>C.2 </a:t>
                       </a:r>
                       <a:endParaRPr lang="fr-FR" sz="1300" dirty="0"/>
@@ -4611,11 +4587,11 @@
                     <a:lstStyle/>
                     <a:p>
                       <a:r>
-                        <a:rPr lang="fr-FR" sz="1300" b="1" dirty="0" smtClean="0"/>
+                        <a:rPr lang="fr-FR" sz="1300" b="1" dirty="0"/>
                         <a:t>Compétence</a:t>
                       </a:r>
                       <a:r>
-                        <a:rPr lang="fr-FR" sz="1300" baseline="0" dirty="0" smtClean="0"/>
+                        <a:rPr lang="fr-FR" sz="1300" baseline="0" dirty="0"/>
                         <a:t> : Etablir un plan, Tracer et justifier son choix</a:t>
                       </a:r>
                       <a:endParaRPr lang="fr-FR" sz="1300" dirty="0"/>
@@ -4673,15 +4649,15 @@
                     <a:lstStyle/>
                     <a:p>
                       <a:r>
-                        <a:rPr lang="fr-FR" sz="1300" b="1" dirty="0" smtClean="0"/>
+                        <a:rPr lang="fr-FR" sz="1300" b="1" dirty="0"/>
                         <a:t>Savoir associés</a:t>
                       </a:r>
                       <a:r>
-                        <a:rPr lang="fr-FR" sz="1300" b="1" baseline="0" dirty="0" smtClean="0"/>
+                        <a:rPr lang="fr-FR" sz="1300" b="1" baseline="0" dirty="0"/>
                         <a:t> </a:t>
                       </a:r>
                       <a:r>
-                        <a:rPr lang="fr-FR" sz="1300" baseline="0" dirty="0" smtClean="0"/>
+                        <a:rPr lang="fr-FR" sz="1300" baseline="0" dirty="0"/>
                         <a:t>: S.2 La communication technique / S.5.2 Etude des ouvrages</a:t>
                       </a:r>
                       <a:endParaRPr lang="fr-FR" sz="1300" dirty="0"/>
@@ -4739,14 +4715,13 @@
                     <a:lstStyle/>
                     <a:p>
                       <a:r>
-                        <a:rPr lang="fr-FR" sz="1300" b="1" dirty="0" smtClean="0"/>
+                        <a:rPr lang="fr-FR" sz="1300" b="1" dirty="0"/>
                         <a:t>Contexte</a:t>
                       </a:r>
                       <a:r>
-                        <a:rPr lang="fr-FR" sz="1300" dirty="0" smtClean="0"/>
+                        <a:rPr lang="fr-FR" sz="1300" dirty="0"/>
                         <a:t> : Monsieur Dupont est un client qui à besoin de deux escaliers</a:t>
                       </a:r>
-                      <a:endParaRPr lang="fr-FR" sz="1300" dirty="0"/>
                     </a:p>
                   </a:txBody>
                   <a:tcPr marL="87081" marR="87081" marT="43541" marB="43541"/>
@@ -4801,31 +4776,31 @@
                     <a:lstStyle/>
                     <a:p>
                       <a:r>
-                        <a:rPr lang="fr-FR" sz="1300" b="1" dirty="0" smtClean="0"/>
+                        <a:rPr lang="fr-FR" sz="1300" b="1" dirty="0"/>
                         <a:t>Mise en situation </a:t>
                       </a:r>
                       <a:r>
-                        <a:rPr lang="fr-FR" sz="1300" dirty="0" smtClean="0"/>
+                        <a:rPr lang="fr-FR" sz="1300" dirty="0"/>
                         <a:t>: Monsieur Dupont à besoin que</a:t>
                       </a:r>
                       <a:r>
-                        <a:rPr lang="fr-FR" sz="1300" baseline="0" dirty="0" smtClean="0"/>
+                        <a:rPr lang="fr-FR" sz="1300" baseline="0" dirty="0"/>
                         <a:t> vous fabriquiez</a:t>
                       </a:r>
                       <a:r>
-                        <a:rPr lang="fr-FR" sz="1300" dirty="0" smtClean="0"/>
+                        <a:rPr lang="fr-FR" sz="1300" dirty="0"/>
                         <a:t> deux escaliers (un droit et un quart tournant) dans</a:t>
                       </a:r>
                       <a:r>
-                        <a:rPr lang="fr-FR" sz="1300" baseline="0" dirty="0" smtClean="0"/>
+                        <a:rPr lang="fr-FR" sz="1300" baseline="0" dirty="0"/>
                         <a:t> sa maison</a:t>
                       </a:r>
                       <a:r>
-                        <a:rPr lang="fr-FR" sz="1300" dirty="0" smtClean="0"/>
+                        <a:rPr lang="fr-FR" sz="1300" dirty="0"/>
                         <a:t>.</a:t>
                       </a:r>
                       <a:r>
-                        <a:rPr lang="fr-FR" sz="1300" baseline="0" dirty="0" smtClean="0"/>
+                        <a:rPr lang="fr-FR" sz="1300" baseline="0" dirty="0"/>
                         <a:t> Afin de répondre à son besoin vous déterminez le nombre de marches, la distance entre les nez de marche et vous tracez les escaliers sur un plan.</a:t>
                       </a:r>
                       <a:endParaRPr lang="fr-FR" sz="1300" dirty="0"/>
@@ -4883,11 +4858,11 @@
                     <a:lstStyle/>
                     <a:p>
                       <a:r>
-                        <a:rPr lang="fr-FR" sz="1300" b="1" dirty="0" smtClean="0"/>
+                        <a:rPr lang="fr-FR" sz="1300" b="1" dirty="0"/>
                         <a:t>Objectif</a:t>
                       </a:r>
                       <a:r>
-                        <a:rPr lang="fr-FR" sz="1300" dirty="0" smtClean="0"/>
+                        <a:rPr lang="fr-FR" sz="1300" dirty="0"/>
                         <a:t> : L’élève doit être capable de :</a:t>
                       </a:r>
                     </a:p>
@@ -4897,7 +4872,7 @@
                         <a:buChar char="•"/>
                       </a:pPr>
                       <a:r>
-                        <a:rPr lang="fr-FR" sz="1300" dirty="0" smtClean="0"/>
+                        <a:rPr lang="fr-FR" sz="1300" dirty="0"/>
                         <a:t>Représenter et tracer les marches</a:t>
                       </a:r>
                     </a:p>
@@ -4907,11 +4882,11 @@
                         <a:buChar char="•"/>
                       </a:pPr>
                       <a:r>
-                        <a:rPr lang="fr-FR" sz="1300" dirty="0" smtClean="0"/>
+                        <a:rPr lang="fr-FR" sz="1300" dirty="0"/>
                         <a:t>Déterminer</a:t>
                       </a:r>
                       <a:r>
-                        <a:rPr lang="fr-FR" sz="1300" baseline="0" dirty="0" smtClean="0"/>
+                        <a:rPr lang="fr-FR" sz="1300" baseline="0" dirty="0"/>
                         <a:t> les hauteurs de marches et distance entre les nez de marche (giron)</a:t>
                       </a:r>
                     </a:p>
@@ -4921,7 +4896,7 @@
                         <a:buChar char="•"/>
                       </a:pPr>
                       <a:r>
-                        <a:rPr lang="fr-FR" sz="1300" baseline="0" dirty="0" smtClean="0"/>
+                        <a:rPr lang="fr-FR" sz="1300" baseline="0" dirty="0"/>
                         <a:t>Comprendre ce que représente le balancement d’un escalier quart tournant</a:t>
                       </a:r>
                     </a:p>
@@ -4931,10 +4906,9 @@
                         <a:buChar char="•"/>
                       </a:pPr>
                       <a:r>
-                        <a:rPr lang="fr-FR" sz="1300" dirty="0" smtClean="0"/>
+                        <a:rPr lang="fr-FR" sz="1300" dirty="0"/>
                         <a:t>Réaliser des choix techniques et esthétiques (loi de blondel)</a:t>
                       </a:r>
-                      <a:endParaRPr lang="fr-FR" sz="1300" dirty="0"/>
                     </a:p>
                   </a:txBody>
                   <a:tcPr marL="87081" marR="87081" marT="43541" marB="43541"/>
@@ -4989,27 +4963,27 @@
                     <a:lstStyle/>
                     <a:p>
                       <a:r>
-                        <a:rPr lang="fr-FR" sz="1300" b="1" dirty="0" smtClean="0"/>
+                        <a:rPr lang="fr-FR" sz="1300" b="1" dirty="0"/>
                         <a:t>On demande de </a:t>
                       </a:r>
                       <a:r>
-                        <a:rPr lang="fr-FR" sz="1300" dirty="0" smtClean="0"/>
+                        <a:rPr lang="fr-FR" sz="1300" dirty="0"/>
                         <a:t>:</a:t>
                       </a:r>
                     </a:p>
                     <a:p>
                       <a:r>
-                        <a:rPr lang="fr-FR" sz="1300" dirty="0" smtClean="0"/>
+                        <a:rPr lang="fr-FR" sz="1300" dirty="0"/>
                         <a:t>      1.</a:t>
                       </a:r>
                       <a:r>
-                        <a:rPr lang="fr-FR" sz="1300" baseline="0" dirty="0" smtClean="0"/>
+                        <a:rPr lang="fr-FR" sz="1300" baseline="0" dirty="0"/>
                         <a:t> De calculer le nombre de marche et la distance entre les nez de marche</a:t>
                       </a:r>
                     </a:p>
                     <a:p>
                       <a:r>
-                        <a:rPr lang="fr-FR" sz="1300" baseline="0" dirty="0" smtClean="0"/>
+                        <a:rPr lang="fr-FR" sz="1300" baseline="0" dirty="0"/>
                         <a:t>      2. De tracer les escaliers</a:t>
                       </a:r>
                       <a:endParaRPr lang="fr-FR" sz="1300" dirty="0"/>
@@ -5067,37 +5041,37 @@
                     <a:lstStyle/>
                     <a:p>
                       <a:r>
-                        <a:rPr lang="fr-FR" sz="1300" b="1" dirty="0" smtClean="0"/>
+                        <a:rPr lang="fr-FR" sz="1300" b="1" dirty="0"/>
                         <a:t>On donne  </a:t>
                       </a:r>
                       <a:r>
-                        <a:rPr lang="fr-FR" sz="1300" dirty="0" smtClean="0"/>
+                        <a:rPr lang="fr-FR" sz="1300" dirty="0"/>
                         <a:t>:</a:t>
                       </a:r>
                     </a:p>
                     <a:p>
                       <a:r>
-                        <a:rPr lang="fr-FR" sz="1300" dirty="0" smtClean="0"/>
+                        <a:rPr lang="fr-FR" sz="1300" dirty="0"/>
                         <a:t>       1.</a:t>
                       </a:r>
                       <a:r>
-                        <a:rPr lang="fr-FR" sz="1300" baseline="0" dirty="0" smtClean="0"/>
+                        <a:rPr lang="fr-FR" sz="1300" baseline="0" dirty="0"/>
                         <a:t> Le vocabulaire technique relatif aux escaliers</a:t>
                       </a:r>
                     </a:p>
                     <a:p>
                       <a:r>
-                        <a:rPr lang="fr-FR" sz="1300" dirty="0" smtClean="0"/>
+                        <a:rPr lang="fr-FR" sz="1300" dirty="0"/>
                         <a:t>       2. Les formules de calcul d’un escaliers droit et quart tournant</a:t>
                       </a:r>
                     </a:p>
                     <a:p>
                       <a:r>
-                        <a:rPr lang="fr-FR" sz="1300" dirty="0" smtClean="0"/>
+                        <a:rPr lang="fr-FR" sz="1300" dirty="0"/>
                         <a:t>       3. Les plans (vue</a:t>
                       </a:r>
                       <a:r>
-                        <a:rPr lang="fr-FR" sz="1300" baseline="0" dirty="0" smtClean="0"/>
+                        <a:rPr lang="fr-FR" sz="1300" baseline="0" dirty="0"/>
                         <a:t> de haut) à une échelle traçable sur feuille</a:t>
                       </a:r>
                     </a:p>
@@ -5190,13 +5164,6 @@
   <p:clrMapOvr>
     <a:masterClrMapping/>
   </p:clrMapOvr>
-  <p:timing>
-    <p:tnLst>
-      <p:par>
-        <p:cTn id="1" dur="indefinite" restart="never" nodeType="tmRoot"/>
-      </p:par>
-    </p:tnLst>
-  </p:timing>
 </p:sld>
 </file>
 
@@ -5240,26 +5207,17 @@
           <a:lstStyle/>
           <a:p>
             <a:r>
-              <a:rPr lang="fr-FR" sz="1400" b="1" dirty="0" smtClean="0"/>
+              <a:rPr lang="fr-FR" sz="1400" b="1" dirty="0"/>
               <a:t>Les variables</a:t>
             </a:r>
-            <a:endParaRPr lang="fr-FR" sz="1400" b="1" dirty="0"/>
-          </a:p>
-          <a:p>
-            <a:endParaRPr lang="fr-FR" sz="1200" dirty="0" smtClean="0"/>
-          </a:p>
-          <a:p>
-            <a:r>
-              <a:rPr lang="fr-FR" sz="1200" dirty="0" smtClean="0"/>
-              <a:t>Les </a:t>
-            </a:r>
+          </a:p>
+          <a:p>
+            <a:endParaRPr lang="fr-FR" sz="1200" dirty="0"/>
+          </a:p>
+          <a:p>
             <a:r>
               <a:rPr lang="fr-FR" sz="1200" dirty="0"/>
-              <a:t>variables en Python sont des étiquettes que vous pouvez utiliser pour stocker des informations. Voyons chaque type de variable que vous avez mentionné </a:t>
-            </a:r>
-            <a:r>
-              <a:rPr lang="fr-FR" sz="1200" dirty="0" smtClean="0"/>
-              <a:t>:</a:t>
+              <a:t>Les variables en Python sont des étiquettes que vous pouvez utiliser pour stocker des informations. Voyons chaque type de variable que vous avez mentionné :</a:t>
             </a:r>
           </a:p>
           <a:p>
@@ -5420,10 +5378,9 @@
           <a:p>
             <a:pPr algn="ctr"/>
             <a:r>
-              <a:rPr lang="fr-FR" sz="2286" dirty="0" smtClean="0"/>
+              <a:rPr lang="fr-FR" sz="2286" dirty="0"/>
               <a:t>Les bases de la programmation 1/2</a:t>
             </a:r>
-            <a:endParaRPr lang="fr-FR" sz="2286" dirty="0"/>
           </a:p>
         </p:txBody>
       </p:sp>
@@ -5461,13 +5418,6 @@
   <p:clrMapOvr>
     <a:masterClrMapping/>
   </p:clrMapOvr>
-  <p:timing>
-    <p:tnLst>
-      <p:par>
-        <p:cTn id="1" dur="indefinite" restart="never" nodeType="tmRoot"/>
-      </p:par>
-    </p:tnLst>
-  </p:timing>
 </p:sld>
 </file>
 
@@ -5668,11 +5618,7 @@
           <a:p>
             <a:r>
               <a:rPr lang="fr-FR" sz="1143" dirty="0"/>
-              <a:t>Par rapport à vos calculs, tracer sur le plan de l’escalier à échelle réduite </a:t>
-            </a:r>
-            <a:r>
-              <a:rPr lang="fr-FR" sz="1143" dirty="0" smtClean="0"/>
-              <a:t>(1:10)</a:t>
+              <a:t>Par rapport à vos calculs, tracer sur le plan de l’escalier à échelle réduite (1:10)</a:t>
             </a:r>
           </a:p>
           <a:p>
@@ -5685,15 +5631,7 @@
             </a:pPr>
             <a:r>
               <a:rPr lang="fr-FR" sz="1143" dirty="0"/>
-              <a:t>La marche palière				</a:t>
-            </a:r>
-            <a:r>
-              <a:rPr lang="fr-FR" sz="1143" dirty="0" smtClean="0"/>
-              <a:t>…/</a:t>
-            </a:r>
-            <a:r>
-              <a:rPr lang="fr-FR" sz="1143" dirty="0"/>
-              <a:t>1</a:t>
+              <a:t>La marche palière				…/1</a:t>
             </a:r>
           </a:p>
           <a:p>
@@ -5923,7 +5861,7 @@
           <a:p>
             <a:pPr algn="ctr"/>
             <a:r>
-              <a:rPr lang="fr-FR" sz="1143" dirty="0" smtClean="0">
+              <a:rPr lang="fr-FR" sz="1143" dirty="0">
                 <a:solidFill>
                   <a:schemeClr val="bg1">
                     <a:lumMod val="50000"/>
@@ -5932,13 +5870,6 @@
               </a:rPr>
               <a:t>1580</a:t>
             </a:r>
-            <a:endParaRPr lang="fr-FR" sz="1143" dirty="0">
-              <a:solidFill>
-                <a:schemeClr val="bg1">
-                  <a:lumMod val="50000"/>
-                </a:schemeClr>
-              </a:solidFill>
-            </a:endParaRPr>
           </a:p>
         </p:txBody>
       </p:sp>
@@ -5982,7 +5913,7 @@
           <a:p>
             <a:pPr algn="ctr"/>
             <a:r>
-              <a:rPr lang="fr-FR" sz="1143" dirty="0" smtClean="0">
+              <a:rPr lang="fr-FR" sz="1143" dirty="0">
                 <a:solidFill>
                   <a:schemeClr val="bg1">
                     <a:lumMod val="50000"/>
@@ -5991,13 +5922,6 @@
               </a:rPr>
               <a:t>1040</a:t>
             </a:r>
-            <a:endParaRPr lang="fr-FR" sz="1143" dirty="0">
-              <a:solidFill>
-                <a:schemeClr val="bg1">
-                  <a:lumMod val="50000"/>
-                </a:schemeClr>
-              </a:solidFill>
-            </a:endParaRPr>
           </a:p>
         </p:txBody>
       </p:sp>
@@ -6150,13 +6074,6 @@
   <p:clrMapOvr>
     <a:masterClrMapping/>
   </p:clrMapOvr>
-  <p:timing>
-    <p:tnLst>
-      <p:par>
-        <p:cTn id="1" dur="indefinite" restart="never" nodeType="tmRoot"/>
-      </p:par>
-    </p:tnLst>
-  </p:timing>
 </p:sld>
 </file>
 
